--- a/71心靈平安.pptx
+++ b/71心靈平安.pptx
@@ -249,7 +249,7 @@
             <a:fld id="{74BC4726-2204-402F-8651-3DE2807316DF}" type="datetimeFigureOut">
               <a:rPr lang="en-US" smtClean="0"/>
               <a:pPr/>
-              <a:t>5/17/2015</a:t>
+              <a:t>1/26/2019</a:t>
             </a:fld>
             <a:endParaRPr lang="en-US"/>
           </a:p>
@@ -1120,7 +1120,7 @@
             <a:fld id="{74BC4726-2204-402F-8651-3DE2807316DF}" type="datetimeFigureOut">
               <a:rPr lang="en-US" smtClean="0"/>
               <a:pPr/>
-              <a:t>5/17/2015</a:t>
+              <a:t>1/26/2019</a:t>
             </a:fld>
             <a:endParaRPr lang="en-US"/>
           </a:p>
@@ -1297,7 +1297,7 @@
             <a:fld id="{74BC4726-2204-402F-8651-3DE2807316DF}" type="datetimeFigureOut">
               <a:rPr lang="en-US" smtClean="0"/>
               <a:pPr/>
-              <a:t>5/17/2015</a:t>
+              <a:t>1/26/2019</a:t>
             </a:fld>
             <a:endParaRPr lang="en-US"/>
           </a:p>
@@ -1469,7 +1469,7 @@
             <a:fld id="{74BC4726-2204-402F-8651-3DE2807316DF}" type="datetimeFigureOut">
               <a:rPr lang="en-US" smtClean="0"/>
               <a:pPr/>
-              <a:t>5/17/2015</a:t>
+              <a:t>1/26/2019</a:t>
             </a:fld>
             <a:endParaRPr lang="en-US"/>
           </a:p>
@@ -1681,7 +1681,7 @@
             <a:fld id="{74BC4726-2204-402F-8651-3DE2807316DF}" type="datetimeFigureOut">
               <a:rPr lang="en-US" smtClean="0"/>
               <a:pPr/>
-              <a:t>5/17/2015</a:t>
+              <a:t>1/26/2019</a:t>
             </a:fld>
             <a:endParaRPr lang="en-US"/>
           </a:p>
@@ -2497,7 +2497,7 @@
             <a:fld id="{74BC4726-2204-402F-8651-3DE2807316DF}" type="datetimeFigureOut">
               <a:rPr lang="en-US" smtClean="0"/>
               <a:pPr/>
-              <a:t>5/17/2015</a:t>
+              <a:t>1/26/2019</a:t>
             </a:fld>
             <a:endParaRPr lang="en-US"/>
           </a:p>
@@ -2735,7 +2735,7 @@
             <a:fld id="{74BC4726-2204-402F-8651-3DE2807316DF}" type="datetimeFigureOut">
               <a:rPr lang="en-US" smtClean="0"/>
               <a:pPr/>
-              <a:t>5/17/2015</a:t>
+              <a:t>1/26/2019</a:t>
             </a:fld>
             <a:endParaRPr lang="en-US"/>
           </a:p>
@@ -3060,7 +3060,7 @@
             <a:fld id="{74BC4726-2204-402F-8651-3DE2807316DF}" type="datetimeFigureOut">
               <a:rPr lang="en-US" smtClean="0"/>
               <a:pPr/>
-              <a:t>5/17/2015</a:t>
+              <a:t>1/26/2019</a:t>
             </a:fld>
             <a:endParaRPr lang="en-US"/>
           </a:p>
@@ -3152,7 +3152,7 @@
             <a:fld id="{74BC4726-2204-402F-8651-3DE2807316DF}" type="datetimeFigureOut">
               <a:rPr lang="en-US" smtClean="0"/>
               <a:pPr/>
-              <a:t>5/17/2015</a:t>
+              <a:t>1/26/2019</a:t>
             </a:fld>
             <a:endParaRPr lang="en-US"/>
           </a:p>
@@ -3671,7 +3671,7 @@
             <a:fld id="{74BC4726-2204-402F-8651-3DE2807316DF}" type="datetimeFigureOut">
               <a:rPr lang="en-US" smtClean="0"/>
               <a:pPr/>
-              <a:t>5/17/2015</a:t>
+              <a:t>1/26/2019</a:t>
             </a:fld>
             <a:endParaRPr lang="en-US"/>
           </a:p>
@@ -4184,7 +4184,7 @@
             <a:fld id="{74BC4726-2204-402F-8651-3DE2807316DF}" type="datetimeFigureOut">
               <a:rPr lang="en-US" smtClean="0"/>
               <a:pPr/>
-              <a:t>5/17/2015</a:t>
+              <a:t>1/26/2019</a:t>
             </a:fld>
             <a:endParaRPr lang="en-US"/>
           </a:p>
@@ -4431,7 +4431,7 @@
             <a:fld id="{74BC4726-2204-402F-8651-3DE2807316DF}" type="datetimeFigureOut">
               <a:rPr lang="en-US" smtClean="0"/>
               <a:pPr/>
-              <a:t>5/17/2015</a:t>
+              <a:t>1/26/2019</a:t>
             </a:fld>
             <a:endParaRPr lang="en-US"/>
           </a:p>
@@ -5055,10 +5055,16 @@
           <a:lstStyle/>
           <a:p>
             <a:r>
-              <a:rPr lang="zh-CN" altLang="en-US" sz="8800" smtClean="0"/>
+              <a:rPr lang="zh-CN" altLang="en-US" sz="8800" smtClean="0">
+                <a:latin typeface="微軟正黑體" pitchFamily="34" charset="-120"/>
+                <a:ea typeface="微軟正黑體" pitchFamily="34" charset="-120"/>
+              </a:rPr>
               <a:t>心靈平安</a:t>
             </a:r>
-            <a:endParaRPr lang="en-US" sz="8800" dirty="0"/>
+            <a:endParaRPr lang="en-US" sz="8800" dirty="0">
+              <a:latin typeface="微軟正黑體" pitchFamily="34" charset="-120"/>
+              <a:ea typeface="微軟正黑體" pitchFamily="34" charset="-120"/>
+            </a:endParaRPr>
           </a:p>
         </p:txBody>
       </p:sp>
@@ -5080,83 +5086,143 @@
           <a:lstStyle/>
           <a:p>
             <a:r>
-              <a:rPr lang="zh-CN" altLang="en-US" dirty="0" smtClean="0"/>
+              <a:rPr lang="zh-CN" altLang="en-US" dirty="0" smtClean="0">
+                <a:latin typeface="微軟正黑體" pitchFamily="34" charset="-120"/>
+                <a:ea typeface="微軟正黑體" pitchFamily="34" charset="-120"/>
+              </a:rPr>
               <a:t>羅</a:t>
             </a:r>
             <a:r>
-              <a:rPr lang="en-US" altLang="zh-CN" dirty="0" smtClean="0"/>
+              <a:rPr lang="en-US" altLang="zh-CN" dirty="0" smtClean="0">
+                <a:latin typeface="微軟正黑體" pitchFamily="34" charset="-120"/>
+                <a:ea typeface="微軟正黑體" pitchFamily="34" charset="-120"/>
+              </a:rPr>
               <a:t>5</a:t>
             </a:r>
             <a:r>
-              <a:rPr lang="zh-CN" altLang="en-US" dirty="0" smtClean="0"/>
+              <a:rPr lang="zh-CN" altLang="en-US" dirty="0" smtClean="0">
+                <a:latin typeface="微軟正黑體" pitchFamily="34" charset="-120"/>
+                <a:ea typeface="微軟正黑體" pitchFamily="34" charset="-120"/>
+              </a:rPr>
               <a:t>：</a:t>
             </a:r>
             <a:r>
-              <a:rPr lang="en-US" altLang="zh-CN" dirty="0" smtClean="0"/>
+              <a:rPr lang="en-US" altLang="zh-CN" dirty="0" smtClean="0">
+                <a:latin typeface="微軟正黑體" pitchFamily="34" charset="-120"/>
+                <a:ea typeface="微軟正黑體" pitchFamily="34" charset="-120"/>
+              </a:rPr>
               <a:t>1</a:t>
             </a:r>
             <a:r>
-              <a:rPr lang="zh-CN" altLang="en-US" dirty="0" smtClean="0"/>
+              <a:rPr lang="zh-CN" altLang="en-US" dirty="0" smtClean="0">
+                <a:latin typeface="微軟正黑體" pitchFamily="34" charset="-120"/>
+                <a:ea typeface="微軟正黑體" pitchFamily="34" charset="-120"/>
+              </a:rPr>
               <a:t>；</a:t>
             </a:r>
             <a:r>
-              <a:rPr lang="en-US" altLang="zh-CN" dirty="0" smtClean="0"/>
+              <a:rPr lang="en-US" altLang="zh-CN" dirty="0" smtClean="0">
+                <a:latin typeface="微軟正黑體" pitchFamily="34" charset="-120"/>
+                <a:ea typeface="微軟正黑體" pitchFamily="34" charset="-120"/>
+              </a:rPr>
               <a:t>8</a:t>
             </a:r>
             <a:r>
-              <a:rPr lang="zh-CN" altLang="en-US" dirty="0" smtClean="0"/>
+              <a:rPr lang="zh-CN" altLang="en-US" dirty="0" smtClean="0">
+                <a:latin typeface="微軟正黑體" pitchFamily="34" charset="-120"/>
+                <a:ea typeface="微軟正黑體" pitchFamily="34" charset="-120"/>
+              </a:rPr>
               <a:t>：</a:t>
             </a:r>
             <a:r>
-              <a:rPr lang="en-US" altLang="zh-CN" dirty="0" smtClean="0"/>
+              <a:rPr lang="en-US" altLang="zh-CN" dirty="0" smtClean="0">
+                <a:latin typeface="微軟正黑體" pitchFamily="34" charset="-120"/>
+                <a:ea typeface="微軟正黑體" pitchFamily="34" charset="-120"/>
+              </a:rPr>
               <a:t>6</a:t>
             </a:r>
             <a:r>
-              <a:rPr lang="zh-CN" altLang="en-US" dirty="0" smtClean="0"/>
+              <a:rPr lang="zh-CN" altLang="en-US" dirty="0" smtClean="0">
+                <a:latin typeface="微軟正黑體" pitchFamily="34" charset="-120"/>
+                <a:ea typeface="微軟正黑體" pitchFamily="34" charset="-120"/>
+              </a:rPr>
               <a:t>；賽</a:t>
             </a:r>
             <a:r>
-              <a:rPr lang="en-US" altLang="zh-CN" dirty="0" smtClean="0"/>
+              <a:rPr lang="en-US" altLang="zh-CN" dirty="0" smtClean="0">
+                <a:latin typeface="微軟正黑體" pitchFamily="34" charset="-120"/>
+                <a:ea typeface="微軟正黑體" pitchFamily="34" charset="-120"/>
+              </a:rPr>
               <a:t>26</a:t>
             </a:r>
             <a:r>
-              <a:rPr lang="zh-CN" altLang="en-US" dirty="0" smtClean="0"/>
+              <a:rPr lang="zh-CN" altLang="en-US" dirty="0" smtClean="0">
+                <a:latin typeface="微軟正黑體" pitchFamily="34" charset="-120"/>
+                <a:ea typeface="微軟正黑體" pitchFamily="34" charset="-120"/>
+              </a:rPr>
               <a:t>：</a:t>
             </a:r>
             <a:r>
-              <a:rPr lang="en-US" altLang="zh-CN" dirty="0" smtClean="0"/>
+              <a:rPr lang="en-US" altLang="zh-CN" dirty="0" smtClean="0">
+                <a:latin typeface="微軟正黑體" pitchFamily="34" charset="-120"/>
+                <a:ea typeface="微軟正黑體" pitchFamily="34" charset="-120"/>
+              </a:rPr>
               <a:t>3-4</a:t>
             </a:r>
             <a:r>
-              <a:rPr lang="zh-CN" altLang="en-US" dirty="0" smtClean="0"/>
+              <a:rPr lang="zh-CN" altLang="en-US" dirty="0" smtClean="0">
+                <a:latin typeface="微軟正黑體" pitchFamily="34" charset="-120"/>
+                <a:ea typeface="微軟正黑體" pitchFamily="34" charset="-120"/>
+              </a:rPr>
               <a:t>；腓</a:t>
             </a:r>
             <a:r>
-              <a:rPr lang="en-US" altLang="zh-CN" dirty="0" smtClean="0"/>
+              <a:rPr lang="en-US" altLang="zh-CN" dirty="0" smtClean="0">
+                <a:latin typeface="微軟正黑體" pitchFamily="34" charset="-120"/>
+                <a:ea typeface="微軟正黑體" pitchFamily="34" charset="-120"/>
+              </a:rPr>
               <a:t>4</a:t>
             </a:r>
             <a:r>
-              <a:rPr lang="zh-CN" altLang="en-US" dirty="0" smtClean="0"/>
+              <a:rPr lang="zh-CN" altLang="en-US" dirty="0" smtClean="0">
+                <a:latin typeface="微軟正黑體" pitchFamily="34" charset="-120"/>
+                <a:ea typeface="微軟正黑體" pitchFamily="34" charset="-120"/>
+              </a:rPr>
               <a:t>：</a:t>
             </a:r>
             <a:r>
-              <a:rPr lang="en-US" altLang="zh-CN" dirty="0" smtClean="0"/>
+              <a:rPr lang="en-US" altLang="zh-CN" dirty="0" smtClean="0">
+                <a:latin typeface="微軟正黑體" pitchFamily="34" charset="-120"/>
+                <a:ea typeface="微軟正黑體" pitchFamily="34" charset="-120"/>
+              </a:rPr>
               <a:t>6-7</a:t>
             </a:r>
             <a:r>
-              <a:rPr lang="zh-CN" altLang="en-US" dirty="0" smtClean="0"/>
+              <a:rPr lang="zh-CN" altLang="en-US" dirty="0" smtClean="0">
+                <a:latin typeface="微軟正黑體" pitchFamily="34" charset="-120"/>
+                <a:ea typeface="微軟正黑體" pitchFamily="34" charset="-120"/>
+              </a:rPr>
               <a:t>；來</a:t>
             </a:r>
             <a:r>
-              <a:rPr lang="en-US" altLang="zh-CN" dirty="0" smtClean="0"/>
+              <a:rPr lang="en-US" altLang="zh-CN" dirty="0" smtClean="0">
+                <a:latin typeface="微軟正黑體" pitchFamily="34" charset="-120"/>
+                <a:ea typeface="微軟正黑體" pitchFamily="34" charset="-120"/>
+              </a:rPr>
               <a:t>13</a:t>
             </a:r>
             <a:r>
-              <a:rPr lang="zh-CN" altLang="en-US" dirty="0" smtClean="0"/>
+              <a:rPr lang="zh-CN" altLang="en-US" dirty="0" smtClean="0">
+                <a:latin typeface="微軟正黑體" pitchFamily="34" charset="-120"/>
+                <a:ea typeface="微軟正黑體" pitchFamily="34" charset="-120"/>
+              </a:rPr>
               <a:t>：</a:t>
             </a:r>
             <a:r>
-              <a:rPr lang="en-US" altLang="zh-CN" dirty="0" smtClean="0"/>
+              <a:rPr lang="en-US" altLang="zh-CN" dirty="0" smtClean="0">
+                <a:latin typeface="微軟正黑體" pitchFamily="34" charset="-120"/>
+                <a:ea typeface="微軟正黑體" pitchFamily="34" charset="-120"/>
+              </a:rPr>
               <a:t>20-21</a:t>
             </a:r>
           </a:p>
@@ -5217,21 +5283,29 @@
           <a:lstStyle/>
           <a:p>
             <a:r>
-              <a:rPr lang="zh-TW" altLang="en-US" sz="5400" dirty="0" smtClean="0"/>
+              <a:rPr lang="zh-TW" altLang="en-US" sz="6000" dirty="0" smtClean="0">
+                <a:latin typeface="微軟正黑體" pitchFamily="34" charset="-120"/>
+                <a:ea typeface="微軟正黑體" pitchFamily="34" charset="-120"/>
+              </a:rPr>
               <a:t>我們既因信稱義，就藉著我們的主耶穌基督得與神相和。</a:t>
             </a:r>
-            <a:endParaRPr lang="en-US" altLang="zh-TW" sz="5400" dirty="0" smtClean="0"/>
-          </a:p>
-          <a:p>
-            <a:r>
-              <a:rPr lang="zh-TW" altLang="en-US" sz="5400" b="1" dirty="0" smtClean="0"/>
-              <a:t>體貼肉體的，就是死；體貼聖靈的，乃是生命、平安</a:t>
-            </a:r>
-            <a:r>
-              <a:rPr lang="zh-TW" altLang="en-US" sz="5400" b="1" dirty="0" smtClean="0"/>
-              <a:t>。</a:t>
-            </a:r>
-            <a:endParaRPr lang="en-US" altLang="zh-TW" sz="5400" b="1" dirty="0" smtClean="0"/>
+            <a:endParaRPr lang="en-US" altLang="zh-TW" sz="6000" dirty="0" smtClean="0">
+              <a:latin typeface="微軟正黑體" pitchFamily="34" charset="-120"/>
+              <a:ea typeface="微軟正黑體" pitchFamily="34" charset="-120"/>
+            </a:endParaRPr>
+          </a:p>
+          <a:p>
+            <a:r>
+              <a:rPr lang="zh-TW" altLang="en-US" sz="6000" b="1" dirty="0" smtClean="0">
+                <a:latin typeface="微軟正黑體" pitchFamily="34" charset="-120"/>
+                <a:ea typeface="微軟正黑體" pitchFamily="34" charset="-120"/>
+              </a:rPr>
+              <a:t>體貼肉體的，就是死；體貼聖靈的，乃是生命、平安。</a:t>
+            </a:r>
+            <a:endParaRPr lang="en-US" altLang="zh-TW" sz="6000" b="1" dirty="0" smtClean="0">
+              <a:latin typeface="微軟正黑體" pitchFamily="34" charset="-120"/>
+              <a:ea typeface="微軟正黑體" pitchFamily="34" charset="-120"/>
+            </a:endParaRPr>
           </a:p>
         </p:txBody>
       </p:sp>
@@ -5290,26 +5364,17 @@
           <a:lstStyle/>
           <a:p>
             <a:r>
-              <a:rPr lang="zh-TW" altLang="en-US" sz="5400" dirty="0" smtClean="0"/>
-              <a:t>堅</a:t>
-            </a:r>
-            <a:r>
-              <a:rPr lang="zh-TW" altLang="en-US" sz="5400" dirty="0" smtClean="0"/>
-              <a:t>心倚賴你的，你必保守他十分平安，因為他倚靠你。你們當倚靠耶和華直到永遠，因為耶和華是永久的磐石。</a:t>
-            </a:r>
-            <a:r>
-              <a:rPr lang="en-US" altLang="zh-TW" sz="5400" dirty="0" smtClean="0"/>
-              <a:t> </a:t>
-            </a:r>
-            <a:endParaRPr lang="en-US" altLang="zh-TW" sz="5400" dirty="0" smtClean="0"/>
-          </a:p>
-          <a:p>
-            <a:r>
-              <a:rPr lang="zh-TW" altLang="en-US" sz="5400" b="1" dirty="0" smtClean="0"/>
-              <a:t>應當一無掛慮，只要凡事藉著禱告、祈求，和感謝，將你們所要的告訴神。</a:t>
-            </a:r>
-            <a:r>
-              <a:rPr lang="en-US" altLang="zh-TW" sz="5400" b="1" dirty="0" smtClean="0"/>
+              <a:rPr lang="zh-TW" altLang="en-US" sz="6000" dirty="0" smtClean="0">
+                <a:latin typeface="微軟正黑體" pitchFamily="34" charset="-120"/>
+                <a:ea typeface="微軟正黑體" pitchFamily="34" charset="-120"/>
+              </a:rPr>
+              <a:t>堅心倚賴你的，你必保守他十分平安，因為他倚靠你。你們當倚靠耶和華直到永遠，因為耶和華是永久的磐石。</a:t>
+            </a:r>
+            <a:r>
+              <a:rPr lang="en-US" altLang="zh-TW" sz="6000" dirty="0" smtClean="0">
+                <a:latin typeface="微軟正黑體" pitchFamily="34" charset="-120"/>
+                <a:ea typeface="微軟正黑體" pitchFamily="34" charset="-120"/>
+              </a:rPr>
               <a:t> </a:t>
             </a:r>
           </a:p>
@@ -5370,15 +5435,40 @@
           <a:lstStyle/>
           <a:p>
             <a:r>
-              <a:rPr lang="zh-TW" altLang="en-US" sz="5400" dirty="0" smtClean="0"/>
+              <a:rPr lang="zh-TW" altLang="en-US" sz="6000" b="1" dirty="0" smtClean="0">
+                <a:latin typeface="微軟正黑體" pitchFamily="34" charset="-120"/>
+                <a:ea typeface="微軟正黑體" pitchFamily="34" charset="-120"/>
+              </a:rPr>
+              <a:t>應當一無掛慮，只要凡事藉著禱告、祈求，和感謝，將你們所要的告訴神。</a:t>
+            </a:r>
+            <a:r>
+              <a:rPr lang="en-US" altLang="zh-TW" sz="6000" b="1" dirty="0" smtClean="0">
+                <a:latin typeface="微軟正黑體" pitchFamily="34" charset="-120"/>
+                <a:ea typeface="微軟正黑體" pitchFamily="34" charset="-120"/>
+              </a:rPr>
+              <a:t> </a:t>
+            </a:r>
+          </a:p>
+          <a:p>
+            <a:r>
+              <a:rPr lang="zh-TW" altLang="en-US" sz="6000" dirty="0" smtClean="0">
+                <a:latin typeface="微軟正黑體" pitchFamily="34" charset="-120"/>
+                <a:ea typeface="微軟正黑體" pitchFamily="34" charset="-120"/>
+              </a:rPr>
               <a:t>神</a:t>
             </a:r>
             <a:r>
-              <a:rPr lang="zh-TW" altLang="en-US" sz="5400" dirty="0" smtClean="0"/>
+              <a:rPr lang="zh-TW" altLang="en-US" sz="6000" dirty="0" smtClean="0">
+                <a:latin typeface="微軟正黑體" pitchFamily="34" charset="-120"/>
+                <a:ea typeface="微軟正黑體" pitchFamily="34" charset="-120"/>
+              </a:rPr>
               <a:t>所賜、出人意外的平安必在基督耶穌裡保守你們的心懷意念。</a:t>
             </a:r>
             <a:r>
-              <a:rPr lang="en-US" altLang="zh-TW" sz="5400" dirty="0" smtClean="0"/>
+              <a:rPr lang="en-US" altLang="zh-TW" sz="6000" dirty="0" smtClean="0">
+                <a:latin typeface="微軟正黑體" pitchFamily="34" charset="-120"/>
+                <a:ea typeface="微軟正黑體" pitchFamily="34" charset="-120"/>
+              </a:rPr>
               <a:t> </a:t>
             </a:r>
           </a:p>
@@ -5439,11 +5529,17 @@
           <a:lstStyle/>
           <a:p>
             <a:r>
-              <a:rPr lang="zh-TW" altLang="en-US" sz="5400" b="1" dirty="0" smtClean="0"/>
+              <a:rPr lang="zh-TW" altLang="en-US" sz="5400" b="1" dirty="0" smtClean="0">
+                <a:latin typeface="微軟正黑體" pitchFamily="34" charset="-120"/>
+                <a:ea typeface="微軟正黑體" pitchFamily="34" charset="-120"/>
+              </a:rPr>
               <a:t>但願賜平安的神，就是那憑永約之血、使群羊的大牧人我主耶穌從死裡復活的神，在各樣善事上成全你們，叫你們遵行他的旨意；又藉著耶穌基督在你們心裡行他所喜悅的事。願榮耀歸給他，直到永永遠遠。阿們！</a:t>
             </a:r>
             <a:r>
-              <a:rPr lang="en-US" altLang="zh-TW" sz="5400" b="1" dirty="0" smtClean="0"/>
+              <a:rPr lang="en-US" altLang="zh-TW" sz="5400" b="1" dirty="0" smtClean="0">
+                <a:latin typeface="微軟正黑體" pitchFamily="34" charset="-120"/>
+                <a:ea typeface="微軟正黑體" pitchFamily="34" charset="-120"/>
+              </a:rPr>
               <a:t> </a:t>
             </a:r>
           </a:p>

--- a/71心靈平安.pptx
+++ b/71心靈平安.pptx
@@ -249,7 +249,7 @@
             <a:fld id="{74BC4726-2204-402F-8651-3DE2807316DF}" type="datetimeFigureOut">
               <a:rPr lang="en-US" smtClean="0"/>
               <a:pPr/>
-              <a:t>1/26/2019</a:t>
+              <a:t>5/17/2015</a:t>
             </a:fld>
             <a:endParaRPr lang="en-US"/>
           </a:p>
@@ -1120,7 +1120,7 @@
             <a:fld id="{74BC4726-2204-402F-8651-3DE2807316DF}" type="datetimeFigureOut">
               <a:rPr lang="en-US" smtClean="0"/>
               <a:pPr/>
-              <a:t>1/26/2019</a:t>
+              <a:t>5/17/2015</a:t>
             </a:fld>
             <a:endParaRPr lang="en-US"/>
           </a:p>
@@ -1297,7 +1297,7 @@
             <a:fld id="{74BC4726-2204-402F-8651-3DE2807316DF}" type="datetimeFigureOut">
               <a:rPr lang="en-US" smtClean="0"/>
               <a:pPr/>
-              <a:t>1/26/2019</a:t>
+              <a:t>5/17/2015</a:t>
             </a:fld>
             <a:endParaRPr lang="en-US"/>
           </a:p>
@@ -1469,7 +1469,7 @@
             <a:fld id="{74BC4726-2204-402F-8651-3DE2807316DF}" type="datetimeFigureOut">
               <a:rPr lang="en-US" smtClean="0"/>
               <a:pPr/>
-              <a:t>1/26/2019</a:t>
+              <a:t>5/17/2015</a:t>
             </a:fld>
             <a:endParaRPr lang="en-US"/>
           </a:p>
@@ -1681,7 +1681,7 @@
             <a:fld id="{74BC4726-2204-402F-8651-3DE2807316DF}" type="datetimeFigureOut">
               <a:rPr lang="en-US" smtClean="0"/>
               <a:pPr/>
-              <a:t>1/26/2019</a:t>
+              <a:t>5/17/2015</a:t>
             </a:fld>
             <a:endParaRPr lang="en-US"/>
           </a:p>
@@ -2497,7 +2497,7 @@
             <a:fld id="{74BC4726-2204-402F-8651-3DE2807316DF}" type="datetimeFigureOut">
               <a:rPr lang="en-US" smtClean="0"/>
               <a:pPr/>
-              <a:t>1/26/2019</a:t>
+              <a:t>5/17/2015</a:t>
             </a:fld>
             <a:endParaRPr lang="en-US"/>
           </a:p>
@@ -2735,7 +2735,7 @@
             <a:fld id="{74BC4726-2204-402F-8651-3DE2807316DF}" type="datetimeFigureOut">
               <a:rPr lang="en-US" smtClean="0"/>
               <a:pPr/>
-              <a:t>1/26/2019</a:t>
+              <a:t>5/17/2015</a:t>
             </a:fld>
             <a:endParaRPr lang="en-US"/>
           </a:p>
@@ -3060,7 +3060,7 @@
             <a:fld id="{74BC4726-2204-402F-8651-3DE2807316DF}" type="datetimeFigureOut">
               <a:rPr lang="en-US" smtClean="0"/>
               <a:pPr/>
-              <a:t>1/26/2019</a:t>
+              <a:t>5/17/2015</a:t>
             </a:fld>
             <a:endParaRPr lang="en-US"/>
           </a:p>
@@ -3152,7 +3152,7 @@
             <a:fld id="{74BC4726-2204-402F-8651-3DE2807316DF}" type="datetimeFigureOut">
               <a:rPr lang="en-US" smtClean="0"/>
               <a:pPr/>
-              <a:t>1/26/2019</a:t>
+              <a:t>5/17/2015</a:t>
             </a:fld>
             <a:endParaRPr lang="en-US"/>
           </a:p>
@@ -3671,7 +3671,7 @@
             <a:fld id="{74BC4726-2204-402F-8651-3DE2807316DF}" type="datetimeFigureOut">
               <a:rPr lang="en-US" smtClean="0"/>
               <a:pPr/>
-              <a:t>1/26/2019</a:t>
+              <a:t>5/17/2015</a:t>
             </a:fld>
             <a:endParaRPr lang="en-US"/>
           </a:p>
@@ -4184,7 +4184,7 @@
             <a:fld id="{74BC4726-2204-402F-8651-3DE2807316DF}" type="datetimeFigureOut">
               <a:rPr lang="en-US" smtClean="0"/>
               <a:pPr/>
-              <a:t>1/26/2019</a:t>
+              <a:t>5/17/2015</a:t>
             </a:fld>
             <a:endParaRPr lang="en-US"/>
           </a:p>
@@ -4431,7 +4431,7 @@
             <a:fld id="{74BC4726-2204-402F-8651-3DE2807316DF}" type="datetimeFigureOut">
               <a:rPr lang="en-US" smtClean="0"/>
               <a:pPr/>
-              <a:t>1/26/2019</a:t>
+              <a:t>5/17/2015</a:t>
             </a:fld>
             <a:endParaRPr lang="en-US"/>
           </a:p>
@@ -5055,16 +5055,10 @@
           <a:lstStyle/>
           <a:p>
             <a:r>
-              <a:rPr lang="zh-CN" altLang="en-US" sz="8800" smtClean="0">
-                <a:latin typeface="微軟正黑體" pitchFamily="34" charset="-120"/>
-                <a:ea typeface="微軟正黑體" pitchFamily="34" charset="-120"/>
-              </a:rPr>
+              <a:rPr lang="zh-CN" altLang="en-US" sz="8800" smtClean="0"/>
               <a:t>心靈平安</a:t>
             </a:r>
-            <a:endParaRPr lang="en-US" sz="8800" dirty="0">
-              <a:latin typeface="微軟正黑體" pitchFamily="34" charset="-120"/>
-              <a:ea typeface="微軟正黑體" pitchFamily="34" charset="-120"/>
-            </a:endParaRPr>
+            <a:endParaRPr lang="en-US" sz="8800" dirty="0"/>
           </a:p>
         </p:txBody>
       </p:sp>
@@ -5086,143 +5080,83 @@
           <a:lstStyle/>
           <a:p>
             <a:r>
-              <a:rPr lang="zh-CN" altLang="en-US" dirty="0" smtClean="0">
-                <a:latin typeface="微軟正黑體" pitchFamily="34" charset="-120"/>
-                <a:ea typeface="微軟正黑體" pitchFamily="34" charset="-120"/>
-              </a:rPr>
+              <a:rPr lang="zh-CN" altLang="en-US" dirty="0" smtClean="0"/>
               <a:t>羅</a:t>
             </a:r>
             <a:r>
-              <a:rPr lang="en-US" altLang="zh-CN" dirty="0" smtClean="0">
-                <a:latin typeface="微軟正黑體" pitchFamily="34" charset="-120"/>
-                <a:ea typeface="微軟正黑體" pitchFamily="34" charset="-120"/>
-              </a:rPr>
+              <a:rPr lang="en-US" altLang="zh-CN" dirty="0" smtClean="0"/>
               <a:t>5</a:t>
             </a:r>
             <a:r>
-              <a:rPr lang="zh-CN" altLang="en-US" dirty="0" smtClean="0">
-                <a:latin typeface="微軟正黑體" pitchFamily="34" charset="-120"/>
-                <a:ea typeface="微軟正黑體" pitchFamily="34" charset="-120"/>
-              </a:rPr>
+              <a:rPr lang="zh-CN" altLang="en-US" dirty="0" smtClean="0"/>
               <a:t>：</a:t>
             </a:r>
             <a:r>
-              <a:rPr lang="en-US" altLang="zh-CN" dirty="0" smtClean="0">
-                <a:latin typeface="微軟正黑體" pitchFamily="34" charset="-120"/>
-                <a:ea typeface="微軟正黑體" pitchFamily="34" charset="-120"/>
-              </a:rPr>
+              <a:rPr lang="en-US" altLang="zh-CN" dirty="0" smtClean="0"/>
               <a:t>1</a:t>
             </a:r>
             <a:r>
-              <a:rPr lang="zh-CN" altLang="en-US" dirty="0" smtClean="0">
-                <a:latin typeface="微軟正黑體" pitchFamily="34" charset="-120"/>
-                <a:ea typeface="微軟正黑體" pitchFamily="34" charset="-120"/>
-              </a:rPr>
+              <a:rPr lang="zh-CN" altLang="en-US" dirty="0" smtClean="0"/>
               <a:t>；</a:t>
             </a:r>
             <a:r>
-              <a:rPr lang="en-US" altLang="zh-CN" dirty="0" smtClean="0">
-                <a:latin typeface="微軟正黑體" pitchFamily="34" charset="-120"/>
-                <a:ea typeface="微軟正黑體" pitchFamily="34" charset="-120"/>
-              </a:rPr>
+              <a:rPr lang="en-US" altLang="zh-CN" dirty="0" smtClean="0"/>
               <a:t>8</a:t>
             </a:r>
             <a:r>
-              <a:rPr lang="zh-CN" altLang="en-US" dirty="0" smtClean="0">
-                <a:latin typeface="微軟正黑體" pitchFamily="34" charset="-120"/>
-                <a:ea typeface="微軟正黑體" pitchFamily="34" charset="-120"/>
-              </a:rPr>
+              <a:rPr lang="zh-CN" altLang="en-US" dirty="0" smtClean="0"/>
               <a:t>：</a:t>
             </a:r>
             <a:r>
-              <a:rPr lang="en-US" altLang="zh-CN" dirty="0" smtClean="0">
-                <a:latin typeface="微軟正黑體" pitchFamily="34" charset="-120"/>
-                <a:ea typeface="微軟正黑體" pitchFamily="34" charset="-120"/>
-              </a:rPr>
+              <a:rPr lang="en-US" altLang="zh-CN" dirty="0" smtClean="0"/>
               <a:t>6</a:t>
             </a:r>
             <a:r>
-              <a:rPr lang="zh-CN" altLang="en-US" dirty="0" smtClean="0">
-                <a:latin typeface="微軟正黑體" pitchFamily="34" charset="-120"/>
-                <a:ea typeface="微軟正黑體" pitchFamily="34" charset="-120"/>
-              </a:rPr>
+              <a:rPr lang="zh-CN" altLang="en-US" dirty="0" smtClean="0"/>
               <a:t>；賽</a:t>
             </a:r>
             <a:r>
-              <a:rPr lang="en-US" altLang="zh-CN" dirty="0" smtClean="0">
-                <a:latin typeface="微軟正黑體" pitchFamily="34" charset="-120"/>
-                <a:ea typeface="微軟正黑體" pitchFamily="34" charset="-120"/>
-              </a:rPr>
+              <a:rPr lang="en-US" altLang="zh-CN" dirty="0" smtClean="0"/>
               <a:t>26</a:t>
             </a:r>
             <a:r>
-              <a:rPr lang="zh-CN" altLang="en-US" dirty="0" smtClean="0">
-                <a:latin typeface="微軟正黑體" pitchFamily="34" charset="-120"/>
-                <a:ea typeface="微軟正黑體" pitchFamily="34" charset="-120"/>
-              </a:rPr>
+              <a:rPr lang="zh-CN" altLang="en-US" dirty="0" smtClean="0"/>
               <a:t>：</a:t>
             </a:r>
             <a:r>
-              <a:rPr lang="en-US" altLang="zh-CN" dirty="0" smtClean="0">
-                <a:latin typeface="微軟正黑體" pitchFamily="34" charset="-120"/>
-                <a:ea typeface="微軟正黑體" pitchFamily="34" charset="-120"/>
-              </a:rPr>
+              <a:rPr lang="en-US" altLang="zh-CN" dirty="0" smtClean="0"/>
               <a:t>3-4</a:t>
             </a:r>
             <a:r>
-              <a:rPr lang="zh-CN" altLang="en-US" dirty="0" smtClean="0">
-                <a:latin typeface="微軟正黑體" pitchFamily="34" charset="-120"/>
-                <a:ea typeface="微軟正黑體" pitchFamily="34" charset="-120"/>
-              </a:rPr>
+              <a:rPr lang="zh-CN" altLang="en-US" dirty="0" smtClean="0"/>
               <a:t>；腓</a:t>
             </a:r>
             <a:r>
-              <a:rPr lang="en-US" altLang="zh-CN" dirty="0" smtClean="0">
-                <a:latin typeface="微軟正黑體" pitchFamily="34" charset="-120"/>
-                <a:ea typeface="微軟正黑體" pitchFamily="34" charset="-120"/>
-              </a:rPr>
+              <a:rPr lang="en-US" altLang="zh-CN" dirty="0" smtClean="0"/>
               <a:t>4</a:t>
             </a:r>
             <a:r>
-              <a:rPr lang="zh-CN" altLang="en-US" dirty="0" smtClean="0">
-                <a:latin typeface="微軟正黑體" pitchFamily="34" charset="-120"/>
-                <a:ea typeface="微軟正黑體" pitchFamily="34" charset="-120"/>
-              </a:rPr>
+              <a:rPr lang="zh-CN" altLang="en-US" dirty="0" smtClean="0"/>
               <a:t>：</a:t>
             </a:r>
             <a:r>
-              <a:rPr lang="en-US" altLang="zh-CN" dirty="0" smtClean="0">
-                <a:latin typeface="微軟正黑體" pitchFamily="34" charset="-120"/>
-                <a:ea typeface="微軟正黑體" pitchFamily="34" charset="-120"/>
-              </a:rPr>
+              <a:rPr lang="en-US" altLang="zh-CN" dirty="0" smtClean="0"/>
               <a:t>6-7</a:t>
             </a:r>
             <a:r>
-              <a:rPr lang="zh-CN" altLang="en-US" dirty="0" smtClean="0">
-                <a:latin typeface="微軟正黑體" pitchFamily="34" charset="-120"/>
-                <a:ea typeface="微軟正黑體" pitchFamily="34" charset="-120"/>
-              </a:rPr>
+              <a:rPr lang="zh-CN" altLang="en-US" dirty="0" smtClean="0"/>
               <a:t>；來</a:t>
             </a:r>
             <a:r>
-              <a:rPr lang="en-US" altLang="zh-CN" dirty="0" smtClean="0">
-                <a:latin typeface="微軟正黑體" pitchFamily="34" charset="-120"/>
-                <a:ea typeface="微軟正黑體" pitchFamily="34" charset="-120"/>
-              </a:rPr>
+              <a:rPr lang="en-US" altLang="zh-CN" dirty="0" smtClean="0"/>
               <a:t>13</a:t>
             </a:r>
             <a:r>
-              <a:rPr lang="zh-CN" altLang="en-US" dirty="0" smtClean="0">
-                <a:latin typeface="微軟正黑體" pitchFamily="34" charset="-120"/>
-                <a:ea typeface="微軟正黑體" pitchFamily="34" charset="-120"/>
-              </a:rPr>
+              <a:rPr lang="zh-CN" altLang="en-US" dirty="0" smtClean="0"/>
               <a:t>：</a:t>
             </a:r>
             <a:r>
-              <a:rPr lang="en-US" altLang="zh-CN" dirty="0" smtClean="0">
-                <a:latin typeface="微軟正黑體" pitchFamily="34" charset="-120"/>
-                <a:ea typeface="微軟正黑體" pitchFamily="34" charset="-120"/>
-              </a:rPr>
+              <a:rPr lang="en-US" altLang="zh-CN" dirty="0" smtClean="0"/>
               <a:t>20-21</a:t>
             </a:r>
           </a:p>
@@ -5283,29 +5217,21 @@
           <a:lstStyle/>
           <a:p>
             <a:r>
-              <a:rPr lang="zh-TW" altLang="en-US" sz="6000" dirty="0" smtClean="0">
-                <a:latin typeface="微軟正黑體" pitchFamily="34" charset="-120"/>
-                <a:ea typeface="微軟正黑體" pitchFamily="34" charset="-120"/>
-              </a:rPr>
+              <a:rPr lang="zh-TW" altLang="en-US" sz="5400" dirty="0" smtClean="0"/>
               <a:t>我們既因信稱義，就藉著我們的主耶穌基督得與神相和。</a:t>
             </a:r>
-            <a:endParaRPr lang="en-US" altLang="zh-TW" sz="6000" dirty="0" smtClean="0">
-              <a:latin typeface="微軟正黑體" pitchFamily="34" charset="-120"/>
-              <a:ea typeface="微軟正黑體" pitchFamily="34" charset="-120"/>
-            </a:endParaRPr>
-          </a:p>
-          <a:p>
-            <a:r>
-              <a:rPr lang="zh-TW" altLang="en-US" sz="6000" b="1" dirty="0" smtClean="0">
-                <a:latin typeface="微軟正黑體" pitchFamily="34" charset="-120"/>
-                <a:ea typeface="微軟正黑體" pitchFamily="34" charset="-120"/>
-              </a:rPr>
-              <a:t>體貼肉體的，就是死；體貼聖靈的，乃是生命、平安。</a:t>
-            </a:r>
-            <a:endParaRPr lang="en-US" altLang="zh-TW" sz="6000" b="1" dirty="0" smtClean="0">
-              <a:latin typeface="微軟正黑體" pitchFamily="34" charset="-120"/>
-              <a:ea typeface="微軟正黑體" pitchFamily="34" charset="-120"/>
-            </a:endParaRPr>
+            <a:endParaRPr lang="en-US" altLang="zh-TW" sz="5400" dirty="0" smtClean="0"/>
+          </a:p>
+          <a:p>
+            <a:r>
+              <a:rPr lang="zh-TW" altLang="en-US" sz="5400" b="1" dirty="0" smtClean="0"/>
+              <a:t>體貼肉體的，就是死；體貼聖靈的，乃是生命、平安</a:t>
+            </a:r>
+            <a:r>
+              <a:rPr lang="zh-TW" altLang="en-US" sz="5400" b="1" dirty="0" smtClean="0"/>
+              <a:t>。</a:t>
+            </a:r>
+            <a:endParaRPr lang="en-US" altLang="zh-TW" sz="5400" b="1" dirty="0" smtClean="0"/>
           </a:p>
         </p:txBody>
       </p:sp>
@@ -5364,17 +5290,26 @@
           <a:lstStyle/>
           <a:p>
             <a:r>
-              <a:rPr lang="zh-TW" altLang="en-US" sz="6000" dirty="0" smtClean="0">
-                <a:latin typeface="微軟正黑體" pitchFamily="34" charset="-120"/>
-                <a:ea typeface="微軟正黑體" pitchFamily="34" charset="-120"/>
-              </a:rPr>
-              <a:t>堅心倚賴你的，你必保守他十分平安，因為他倚靠你。你們當倚靠耶和華直到永遠，因為耶和華是永久的磐石。</a:t>
-            </a:r>
-            <a:r>
-              <a:rPr lang="en-US" altLang="zh-TW" sz="6000" dirty="0" smtClean="0">
-                <a:latin typeface="微軟正黑體" pitchFamily="34" charset="-120"/>
-                <a:ea typeface="微軟正黑體" pitchFamily="34" charset="-120"/>
-              </a:rPr>
+              <a:rPr lang="zh-TW" altLang="en-US" sz="5400" dirty="0" smtClean="0"/>
+              <a:t>堅</a:t>
+            </a:r>
+            <a:r>
+              <a:rPr lang="zh-TW" altLang="en-US" sz="5400" dirty="0" smtClean="0"/>
+              <a:t>心倚賴你的，你必保守他十分平安，因為他倚靠你。你們當倚靠耶和華直到永遠，因為耶和華是永久的磐石。</a:t>
+            </a:r>
+            <a:r>
+              <a:rPr lang="en-US" altLang="zh-TW" sz="5400" dirty="0" smtClean="0"/>
+              <a:t> </a:t>
+            </a:r>
+            <a:endParaRPr lang="en-US" altLang="zh-TW" sz="5400" dirty="0" smtClean="0"/>
+          </a:p>
+          <a:p>
+            <a:r>
+              <a:rPr lang="zh-TW" altLang="en-US" sz="5400" b="1" dirty="0" smtClean="0"/>
+              <a:t>應當一無掛慮，只要凡事藉著禱告、祈求，和感謝，將你們所要的告訴神。</a:t>
+            </a:r>
+            <a:r>
+              <a:rPr lang="en-US" altLang="zh-TW" sz="5400" b="1" dirty="0" smtClean="0"/>
               <a:t> </a:t>
             </a:r>
           </a:p>
@@ -5435,40 +5370,15 @@
           <a:lstStyle/>
           <a:p>
             <a:r>
-              <a:rPr lang="zh-TW" altLang="en-US" sz="6000" b="1" dirty="0" smtClean="0">
-                <a:latin typeface="微軟正黑體" pitchFamily="34" charset="-120"/>
-                <a:ea typeface="微軟正黑體" pitchFamily="34" charset="-120"/>
-              </a:rPr>
-              <a:t>應當一無掛慮，只要凡事藉著禱告、祈求，和感謝，將你們所要的告訴神。</a:t>
-            </a:r>
-            <a:r>
-              <a:rPr lang="en-US" altLang="zh-TW" sz="6000" b="1" dirty="0" smtClean="0">
-                <a:latin typeface="微軟正黑體" pitchFamily="34" charset="-120"/>
-                <a:ea typeface="微軟正黑體" pitchFamily="34" charset="-120"/>
-              </a:rPr>
-              <a:t> </a:t>
-            </a:r>
-          </a:p>
-          <a:p>
-            <a:r>
-              <a:rPr lang="zh-TW" altLang="en-US" sz="6000" dirty="0" smtClean="0">
-                <a:latin typeface="微軟正黑體" pitchFamily="34" charset="-120"/>
-                <a:ea typeface="微軟正黑體" pitchFamily="34" charset="-120"/>
-              </a:rPr>
+              <a:rPr lang="zh-TW" altLang="en-US" sz="5400" dirty="0" smtClean="0"/>
               <a:t>神</a:t>
             </a:r>
             <a:r>
-              <a:rPr lang="zh-TW" altLang="en-US" sz="6000" dirty="0" smtClean="0">
-                <a:latin typeface="微軟正黑體" pitchFamily="34" charset="-120"/>
-                <a:ea typeface="微軟正黑體" pitchFamily="34" charset="-120"/>
-              </a:rPr>
+              <a:rPr lang="zh-TW" altLang="en-US" sz="5400" dirty="0" smtClean="0"/>
               <a:t>所賜、出人意外的平安必在基督耶穌裡保守你們的心懷意念。</a:t>
             </a:r>
             <a:r>
-              <a:rPr lang="en-US" altLang="zh-TW" sz="6000" dirty="0" smtClean="0">
-                <a:latin typeface="微軟正黑體" pitchFamily="34" charset="-120"/>
-                <a:ea typeface="微軟正黑體" pitchFamily="34" charset="-120"/>
-              </a:rPr>
+              <a:rPr lang="en-US" altLang="zh-TW" sz="5400" dirty="0" smtClean="0"/>
               <a:t> </a:t>
             </a:r>
           </a:p>
@@ -5529,17 +5439,11 @@
           <a:lstStyle/>
           <a:p>
             <a:r>
-              <a:rPr lang="zh-TW" altLang="en-US" sz="5400" b="1" dirty="0" smtClean="0">
-                <a:latin typeface="微軟正黑體" pitchFamily="34" charset="-120"/>
-                <a:ea typeface="微軟正黑體" pitchFamily="34" charset="-120"/>
-              </a:rPr>
+              <a:rPr lang="zh-TW" altLang="en-US" sz="5400" b="1" dirty="0" smtClean="0"/>
               <a:t>但願賜平安的神，就是那憑永約之血、使群羊的大牧人我主耶穌從死裡復活的神，在各樣善事上成全你們，叫你們遵行他的旨意；又藉著耶穌基督在你們心裡行他所喜悅的事。願榮耀歸給他，直到永永遠遠。阿們！</a:t>
             </a:r>
             <a:r>
-              <a:rPr lang="en-US" altLang="zh-TW" sz="5400" b="1" dirty="0" smtClean="0">
-                <a:latin typeface="微軟正黑體" pitchFamily="34" charset="-120"/>
-                <a:ea typeface="微軟正黑體" pitchFamily="34" charset="-120"/>
-              </a:rPr>
+              <a:rPr lang="en-US" altLang="zh-TW" sz="5400" b="1" dirty="0" smtClean="0"/>
               <a:t> </a:t>
             </a:r>
           </a:p>

--- a/71心靈平安.pptx
+++ b/71心靈平安.pptx
@@ -309,7 +309,7 @@
             <a:fld id="{74BC4726-2204-402F-8651-3DE2807316DF}" type="datetimeFigureOut">
               <a:rPr lang="en-US" smtClean="0"/>
               <a:pPr/>
-              <a:t>3/28/2020</a:t>
+              <a:t>8/21/2020</a:t>
             </a:fld>
             <a:endParaRPr lang="en-US"/>
           </a:p>
@@ -481,7 +481,7 @@
             <a:fld id="{74BC4726-2204-402F-8651-3DE2807316DF}" type="datetimeFigureOut">
               <a:rPr lang="en-US" smtClean="0"/>
               <a:pPr/>
-              <a:t>3/28/2020</a:t>
+              <a:t>8/21/2020</a:t>
             </a:fld>
             <a:endParaRPr lang="en-US"/>
           </a:p>
@@ -663,7 +663,7 @@
             <a:fld id="{74BC4726-2204-402F-8651-3DE2807316DF}" type="datetimeFigureOut">
               <a:rPr lang="en-US" smtClean="0"/>
               <a:pPr/>
-              <a:t>3/28/2020</a:t>
+              <a:t>8/21/2020</a:t>
             </a:fld>
             <a:endParaRPr lang="en-US"/>
           </a:p>
@@ -835,7 +835,7 @@
             <a:fld id="{74BC4726-2204-402F-8651-3DE2807316DF}" type="datetimeFigureOut">
               <a:rPr lang="en-US" smtClean="0"/>
               <a:pPr/>
-              <a:t>3/28/2020</a:t>
+              <a:t>8/21/2020</a:t>
             </a:fld>
             <a:endParaRPr lang="en-US"/>
           </a:p>
@@ -1083,7 +1083,7 @@
             <a:fld id="{74BC4726-2204-402F-8651-3DE2807316DF}" type="datetimeFigureOut">
               <a:rPr lang="en-US" smtClean="0"/>
               <a:pPr/>
-              <a:t>3/28/2020</a:t>
+              <a:t>8/21/2020</a:t>
             </a:fld>
             <a:endParaRPr lang="en-US"/>
           </a:p>
@@ -1373,7 +1373,7 @@
             <a:fld id="{74BC4726-2204-402F-8651-3DE2807316DF}" type="datetimeFigureOut">
               <a:rPr lang="en-US" smtClean="0"/>
               <a:pPr/>
-              <a:t>3/28/2020</a:t>
+              <a:t>8/21/2020</a:t>
             </a:fld>
             <a:endParaRPr lang="en-US"/>
           </a:p>
@@ -1797,7 +1797,7 @@
             <a:fld id="{74BC4726-2204-402F-8651-3DE2807316DF}" type="datetimeFigureOut">
               <a:rPr lang="en-US" smtClean="0"/>
               <a:pPr/>
-              <a:t>3/28/2020</a:t>
+              <a:t>8/21/2020</a:t>
             </a:fld>
             <a:endParaRPr lang="en-US"/>
           </a:p>
@@ -1917,7 +1917,7 @@
             <a:fld id="{74BC4726-2204-402F-8651-3DE2807316DF}" type="datetimeFigureOut">
               <a:rPr lang="en-US" smtClean="0"/>
               <a:pPr/>
-              <a:t>3/28/2020</a:t>
+              <a:t>8/21/2020</a:t>
             </a:fld>
             <a:endParaRPr lang="en-US"/>
           </a:p>
@@ -2014,7 +2014,7 @@
             <a:fld id="{74BC4726-2204-402F-8651-3DE2807316DF}" type="datetimeFigureOut">
               <a:rPr lang="en-US" smtClean="0"/>
               <a:pPr/>
-              <a:t>3/28/2020</a:t>
+              <a:t>8/21/2020</a:t>
             </a:fld>
             <a:endParaRPr lang="en-US"/>
           </a:p>
@@ -2293,7 +2293,7 @@
             <a:fld id="{74BC4726-2204-402F-8651-3DE2807316DF}" type="datetimeFigureOut">
               <a:rPr lang="en-US" smtClean="0"/>
               <a:pPr/>
-              <a:t>3/28/2020</a:t>
+              <a:t>8/21/2020</a:t>
             </a:fld>
             <a:endParaRPr lang="en-US"/>
           </a:p>
@@ -2552,7 +2552,7 @@
             <a:fld id="{74BC4726-2204-402F-8651-3DE2807316DF}" type="datetimeFigureOut">
               <a:rPr lang="en-US" smtClean="0"/>
               <a:pPr/>
-              <a:t>3/28/2020</a:t>
+              <a:t>8/21/2020</a:t>
             </a:fld>
             <a:endParaRPr lang="en-US"/>
           </a:p>
@@ -2772,7 +2772,7 @@
             <a:fld id="{74BC4726-2204-402F-8651-3DE2807316DF}" type="datetimeFigureOut">
               <a:rPr lang="en-US" smtClean="0"/>
               <a:pPr/>
-              <a:t>3/28/2020</a:t>
+              <a:t>8/21/2020</a:t>
             </a:fld>
             <a:endParaRPr lang="en-US"/>
           </a:p>
@@ -3217,17 +3217,17 @@
           <a:lstStyle/>
           <a:p>
             <a:r>
-              <a:rPr lang="zh-CN" altLang="en-US" b="1" dirty="0">
+              <a:rPr lang="zh-CN" altLang="en-US" b="1" dirty="0" smtClean="0">
                 <a:solidFill>
                   <a:srgbClr val="002060"/>
                 </a:solidFill>
                 <a:latin typeface="微軟正黑體" pitchFamily="34" charset="-120"/>
                 <a:ea typeface="微軟正黑體" pitchFamily="34" charset="-120"/>
               </a:rPr>
-              <a:t>羅</a:t>
-            </a:r>
-            <a:r>
-              <a:rPr lang="en-US" altLang="zh-CN" b="1" dirty="0">
+              <a:t>羅 </a:t>
+            </a:r>
+            <a:r>
+              <a:rPr lang="en-US" altLang="zh-CN" b="1" dirty="0" smtClean="0">
                 <a:solidFill>
                   <a:srgbClr val="002060"/>
                 </a:solidFill>
@@ -3304,10 +3304,20 @@
                 <a:latin typeface="微軟正黑體" pitchFamily="34" charset="-120"/>
                 <a:ea typeface="微軟正黑體" pitchFamily="34" charset="-120"/>
               </a:rPr>
-              <a:t>；賽</a:t>
-            </a:r>
-            <a:r>
-              <a:rPr lang="en-US" altLang="zh-CN" b="1" dirty="0">
+              <a:t>；</a:t>
+            </a:r>
+            <a:r>
+              <a:rPr lang="zh-CN" altLang="en-US" b="1" dirty="0" smtClean="0">
+                <a:solidFill>
+                  <a:srgbClr val="002060"/>
+                </a:solidFill>
+                <a:latin typeface="微軟正黑體" pitchFamily="34" charset="-120"/>
+                <a:ea typeface="微軟正黑體" pitchFamily="34" charset="-120"/>
+              </a:rPr>
+              <a:t>賽 </a:t>
+            </a:r>
+            <a:r>
+              <a:rPr lang="en-US" altLang="zh-CN" b="1" dirty="0" smtClean="0">
                 <a:solidFill>
                   <a:srgbClr val="002060"/>
                 </a:solidFill>
@@ -3334,8 +3344,15 @@
                 <a:latin typeface="微軟正黑體" pitchFamily="34" charset="-120"/>
                 <a:ea typeface="微軟正黑體" pitchFamily="34" charset="-120"/>
               </a:rPr>
-              <a:t>3-4</a:t>
-            </a:r>
+              <a:t>3 – 4</a:t>
+            </a:r>
+            <a:endParaRPr lang="en-US" altLang="zh-CN" b="1" dirty="0" smtClean="0">
+              <a:solidFill>
+                <a:srgbClr val="002060"/>
+              </a:solidFill>
+              <a:latin typeface="微軟正黑體" pitchFamily="34" charset="-120"/>
+              <a:ea typeface="微軟正黑體" pitchFamily="34" charset="-120"/>
+            </a:endParaRPr>
           </a:p>
           <a:p>
             <a:r>
@@ -3346,10 +3363,10 @@
                 <a:latin typeface="微軟正黑體" pitchFamily="34" charset="-120"/>
                 <a:ea typeface="微軟正黑體" pitchFamily="34" charset="-120"/>
               </a:rPr>
-              <a:t>腓</a:t>
-            </a:r>
-            <a:r>
-              <a:rPr lang="en-US" altLang="zh-CN" b="1" dirty="0">
+              <a:t>腓 </a:t>
+            </a:r>
+            <a:r>
+              <a:rPr lang="en-US" altLang="zh-CN" b="1" dirty="0" smtClean="0">
                 <a:solidFill>
                   <a:srgbClr val="002060"/>
                 </a:solidFill>
@@ -3369,27 +3386,27 @@
               <a:t>：</a:t>
             </a:r>
             <a:r>
-              <a:rPr lang="en-US" altLang="zh-CN" b="1" dirty="0">
+              <a:rPr lang="en-US" altLang="zh-CN" b="1" dirty="0" smtClean="0">
                 <a:solidFill>
                   <a:srgbClr val="002060"/>
                 </a:solidFill>
                 <a:latin typeface="微軟正黑體" pitchFamily="34" charset="-120"/>
                 <a:ea typeface="微軟正黑體" pitchFamily="34" charset="-120"/>
               </a:rPr>
-              <a:t>6-7</a:t>
-            </a:r>
-            <a:r>
-              <a:rPr lang="zh-CN" altLang="en-US" b="1" dirty="0">
+              <a:t>6 – 7</a:t>
+            </a:r>
+            <a:r>
+              <a:rPr lang="zh-CN" altLang="en-US" b="1" dirty="0" smtClean="0">
                 <a:solidFill>
                   <a:srgbClr val="002060"/>
                 </a:solidFill>
                 <a:latin typeface="微軟正黑體" pitchFamily="34" charset="-120"/>
                 <a:ea typeface="微軟正黑體" pitchFamily="34" charset="-120"/>
               </a:rPr>
-              <a:t>；來</a:t>
-            </a:r>
-            <a:r>
-              <a:rPr lang="en-US" altLang="zh-CN" b="1" dirty="0">
+              <a:t>；來 </a:t>
+            </a:r>
+            <a:r>
+              <a:rPr lang="en-US" altLang="zh-CN" b="1" dirty="0" smtClean="0">
                 <a:solidFill>
                   <a:srgbClr val="002060"/>
                 </a:solidFill>
@@ -3409,15 +3426,22 @@
               <a:t>：</a:t>
             </a:r>
             <a:r>
-              <a:rPr lang="en-US" altLang="zh-CN" b="1" dirty="0">
+              <a:rPr lang="en-US" altLang="zh-CN" b="1" dirty="0" smtClean="0">
                 <a:solidFill>
                   <a:srgbClr val="002060"/>
                 </a:solidFill>
                 <a:latin typeface="微軟正黑體" pitchFamily="34" charset="-120"/>
                 <a:ea typeface="微軟正黑體" pitchFamily="34" charset="-120"/>
               </a:rPr>
-              <a:t>20-21</a:t>
-            </a:r>
+              <a:t>20 – 21</a:t>
+            </a:r>
+            <a:endParaRPr lang="en-US" altLang="zh-CN" b="1" dirty="0">
+              <a:solidFill>
+                <a:srgbClr val="002060"/>
+              </a:solidFill>
+              <a:latin typeface="微軟正黑體" pitchFamily="34" charset="-120"/>
+              <a:ea typeface="微軟正黑體" pitchFamily="34" charset="-120"/>
+            </a:endParaRPr>
           </a:p>
         </p:txBody>
       </p:sp>
@@ -3466,11 +3490,11 @@
         <p:spPr>
           <a:xfrm>
             <a:off x="0" y="0"/>
-            <a:ext cx="12192000" cy="6858000"/>
+            <a:ext cx="11887200" cy="6858000"/>
           </a:xfrm>
         </p:spPr>
         <p:txBody>
-          <a:bodyPr>
+          <a:bodyPr anchor="ctr">
             <a:normAutofit/>
           </a:bodyPr>
           <a:lstStyle/>
@@ -3564,11 +3588,11 @@
         <p:spPr>
           <a:xfrm>
             <a:off x="0" y="0"/>
-            <a:ext cx="12192000" cy="6858000"/>
+            <a:ext cx="11963400" cy="6858000"/>
           </a:xfrm>
         </p:spPr>
         <p:txBody>
-          <a:bodyPr>
+          <a:bodyPr anchor="ctr">
             <a:normAutofit/>
           </a:bodyPr>
           <a:lstStyle/>
@@ -3646,11 +3670,11 @@
         <p:spPr>
           <a:xfrm>
             <a:off x="0" y="0"/>
-            <a:ext cx="12192000" cy="6858000"/>
+            <a:ext cx="11963400" cy="6858000"/>
           </a:xfrm>
         </p:spPr>
         <p:txBody>
-          <a:bodyPr>
+          <a:bodyPr anchor="ctr">
             <a:normAutofit/>
           </a:bodyPr>
           <a:lstStyle/>
@@ -3720,15 +3744,6 @@
               </a:solidFill>
               <a:latin typeface="Microsoft JhengHei" pitchFamily="34" charset="-120"/>
               <a:ea typeface="Microsoft JhengHei" pitchFamily="34" charset="-120"/>
-            </a:endParaRPr>
-          </a:p>
-          <a:p>
-            <a:endParaRPr lang="en-US" altLang="zh-TW" sz="6400" dirty="0">
-              <a:solidFill>
-                <a:srgbClr val="002060"/>
-              </a:solidFill>
-              <a:latin typeface="微軟正黑體" pitchFamily="34" charset="-120"/>
-              <a:ea typeface="微軟正黑體" pitchFamily="34" charset="-120"/>
             </a:endParaRPr>
           </a:p>
         </p:txBody>

--- a/71心靈平安.pptx
+++ b/71心靈平安.pptx
@@ -309,7 +309,7 @@
             <a:fld id="{74BC4726-2204-402F-8651-3DE2807316DF}" type="datetimeFigureOut">
               <a:rPr lang="en-US" smtClean="0"/>
               <a:pPr/>
-              <a:t>8/21/2020</a:t>
+              <a:t>8/22/2020</a:t>
             </a:fld>
             <a:endParaRPr lang="en-US"/>
           </a:p>
@@ -481,7 +481,7 @@
             <a:fld id="{74BC4726-2204-402F-8651-3DE2807316DF}" type="datetimeFigureOut">
               <a:rPr lang="en-US" smtClean="0"/>
               <a:pPr/>
-              <a:t>8/21/2020</a:t>
+              <a:t>8/22/2020</a:t>
             </a:fld>
             <a:endParaRPr lang="en-US"/>
           </a:p>
@@ -663,7 +663,7 @@
             <a:fld id="{74BC4726-2204-402F-8651-3DE2807316DF}" type="datetimeFigureOut">
               <a:rPr lang="en-US" smtClean="0"/>
               <a:pPr/>
-              <a:t>8/21/2020</a:t>
+              <a:t>8/22/2020</a:t>
             </a:fld>
             <a:endParaRPr lang="en-US"/>
           </a:p>
@@ -835,7 +835,7 @@
             <a:fld id="{74BC4726-2204-402F-8651-3DE2807316DF}" type="datetimeFigureOut">
               <a:rPr lang="en-US" smtClean="0"/>
               <a:pPr/>
-              <a:t>8/21/2020</a:t>
+              <a:t>8/22/2020</a:t>
             </a:fld>
             <a:endParaRPr lang="en-US"/>
           </a:p>
@@ -1083,7 +1083,7 @@
             <a:fld id="{74BC4726-2204-402F-8651-3DE2807316DF}" type="datetimeFigureOut">
               <a:rPr lang="en-US" smtClean="0"/>
               <a:pPr/>
-              <a:t>8/21/2020</a:t>
+              <a:t>8/22/2020</a:t>
             </a:fld>
             <a:endParaRPr lang="en-US"/>
           </a:p>
@@ -1373,7 +1373,7 @@
             <a:fld id="{74BC4726-2204-402F-8651-3DE2807316DF}" type="datetimeFigureOut">
               <a:rPr lang="en-US" smtClean="0"/>
               <a:pPr/>
-              <a:t>8/21/2020</a:t>
+              <a:t>8/22/2020</a:t>
             </a:fld>
             <a:endParaRPr lang="en-US"/>
           </a:p>
@@ -1797,7 +1797,7 @@
             <a:fld id="{74BC4726-2204-402F-8651-3DE2807316DF}" type="datetimeFigureOut">
               <a:rPr lang="en-US" smtClean="0"/>
               <a:pPr/>
-              <a:t>8/21/2020</a:t>
+              <a:t>8/22/2020</a:t>
             </a:fld>
             <a:endParaRPr lang="en-US"/>
           </a:p>
@@ -1917,7 +1917,7 @@
             <a:fld id="{74BC4726-2204-402F-8651-3DE2807316DF}" type="datetimeFigureOut">
               <a:rPr lang="en-US" smtClean="0"/>
               <a:pPr/>
-              <a:t>8/21/2020</a:t>
+              <a:t>8/22/2020</a:t>
             </a:fld>
             <a:endParaRPr lang="en-US"/>
           </a:p>
@@ -2014,7 +2014,7 @@
             <a:fld id="{74BC4726-2204-402F-8651-3DE2807316DF}" type="datetimeFigureOut">
               <a:rPr lang="en-US" smtClean="0"/>
               <a:pPr/>
-              <a:t>8/21/2020</a:t>
+              <a:t>8/22/2020</a:t>
             </a:fld>
             <a:endParaRPr lang="en-US"/>
           </a:p>
@@ -2293,7 +2293,7 @@
             <a:fld id="{74BC4726-2204-402F-8651-3DE2807316DF}" type="datetimeFigureOut">
               <a:rPr lang="en-US" smtClean="0"/>
               <a:pPr/>
-              <a:t>8/21/2020</a:t>
+              <a:t>8/22/2020</a:t>
             </a:fld>
             <a:endParaRPr lang="en-US"/>
           </a:p>
@@ -2552,7 +2552,7 @@
             <a:fld id="{74BC4726-2204-402F-8651-3DE2807316DF}" type="datetimeFigureOut">
               <a:rPr lang="en-US" smtClean="0"/>
               <a:pPr/>
-              <a:t>8/21/2020</a:t>
+              <a:t>8/22/2020</a:t>
             </a:fld>
             <a:endParaRPr lang="en-US"/>
           </a:p>
@@ -2772,7 +2772,7 @@
             <a:fld id="{74BC4726-2204-402F-8651-3DE2807316DF}" type="datetimeFigureOut">
               <a:rPr lang="en-US" smtClean="0"/>
               <a:pPr/>
-              <a:t>8/21/2020</a:t>
+              <a:t>8/22/2020</a:t>
             </a:fld>
             <a:endParaRPr lang="en-US"/>
           </a:p>
@@ -3346,13 +3346,6 @@
               </a:rPr>
               <a:t>3 – 4</a:t>
             </a:r>
-            <a:endParaRPr lang="en-US" altLang="zh-CN" b="1" dirty="0" smtClean="0">
-              <a:solidFill>
-                <a:srgbClr val="002060"/>
-              </a:solidFill>
-              <a:latin typeface="微軟正黑體" pitchFamily="34" charset="-120"/>
-              <a:ea typeface="微軟正黑體" pitchFamily="34" charset="-120"/>
-            </a:endParaRPr>
           </a:p>
           <a:p>
             <a:r>
